--- a/Examples/Data/Charts/Result.pptx
+++ b/Examples/Data/Charts/Result.pptx
@@ -1,6 +1,6 @@
 
 <file path=ppt/presentation.xml><?xml version="1.0" encoding="utf-8"?>
-<!--Generated by Aspose.Slides for .NET 19.6-->
+<!--Generated by Aspose.Slides for .NET 21.12-->
 <p:presentation xmlns:r="http://schemas.openxmlformats.org/officeDocument/2006/relationships" xmlns:a="http://schemas.openxmlformats.org/drawingml/2006/main" xmlns:p="http://schemas.openxmlformats.org/presentationml/2006/main" saveSubsetFonts="1">
   <p:sldMasterIdLst>
     <p:sldMasterId id="2147483648" r:id="rId1"/>
@@ -112,7 +112,7 @@
 </file>
 
 <file path=ppt/charts/chart1.xml><?xml version="1.0" encoding="utf-8"?>
-<c:chartSpace xmlns:a="http://schemas.openxmlformats.org/drawingml/2006/main" xmlns:r="http://schemas.openxmlformats.org/officeDocument/2006/relationships" xmlns:c="http://schemas.openxmlformats.org/drawingml/2006/chart">
+<c:chartSpace xmlns:a="http://schemas.openxmlformats.org/drawingml/2006/main" xmlns:r="http://schemas.openxmlformats.org/officeDocument/2006/relationships" xmlns:m="http://schemas.openxmlformats.org/officeDocument/2006/math" xmlns:w="http://schemas.openxmlformats.org/wordprocessingml/2006/main" xmlns:wp="http://schemas.openxmlformats.org/drawingml/2006/wordprocessingDrawing" xmlns:a14="http://schemas.microsoft.com/office/drawing/2010/main" xmlns:c="http://schemas.openxmlformats.org/drawingml/2006/chart">
   <c:date1904 val="0"/>
   <c:lang val="ru-RU"/>
   <c:roundedCorners val="0"/>
@@ -381,7 +381,7 @@
 </file>
 
 <file path=ppt/charts/chart2.xml><?xml version="1.0" encoding="utf-8"?>
-<c:chartSpace xmlns:a="http://schemas.openxmlformats.org/drawingml/2006/main" xmlns:r="http://schemas.openxmlformats.org/officeDocument/2006/relationships" xmlns:c="http://schemas.openxmlformats.org/drawingml/2006/chart">
+<c:chartSpace xmlns:a="http://schemas.openxmlformats.org/drawingml/2006/main" xmlns:r="http://schemas.openxmlformats.org/officeDocument/2006/relationships" xmlns:m="http://schemas.openxmlformats.org/officeDocument/2006/math" xmlns:w="http://schemas.openxmlformats.org/wordprocessingml/2006/main" xmlns:wp="http://schemas.openxmlformats.org/drawingml/2006/wordprocessingDrawing" xmlns:a14="http://schemas.microsoft.com/office/drawing/2010/main" xmlns:c="http://schemas.openxmlformats.org/drawingml/2006/chart">
   <c:date1904 val="0"/>
   <c:lang val="ru-RU"/>
   <c:roundedCorners val="0"/>
@@ -639,11 +639,11 @@
 </file>
 
 <file path=ppt/slideLayouts/slideLayout1.xml><?xml version="1.0" encoding="utf-8"?>
-<p:sldLayout xmlns:a="http://schemas.openxmlformats.org/drawingml/2006/main" xmlns:r="http://schemas.openxmlformats.org/officeDocument/2006/relationships" xmlns:p14="http://schemas.microsoft.com/office/powerpoint/2010/main" xmlns:a14="http://schemas.microsoft.com/office/drawing/2010/main" xmlns:p15="http://schemas.microsoft.com/office/powerpoint/2012/main" xmlns:p159="http://schemas.microsoft.com/office/powerpoint/2015/09/main" xmlns:p="http://schemas.openxmlformats.org/presentationml/2006/main" type="title" preserve="1">
+<p:sldLayout xmlns:a="http://schemas.openxmlformats.org/drawingml/2006/main" xmlns:r="http://schemas.openxmlformats.org/officeDocument/2006/relationships" xmlns:m="http://schemas.openxmlformats.org/officeDocument/2006/math" xmlns:w="http://schemas.openxmlformats.org/wordprocessingml/2006/main" xmlns:wp="http://schemas.openxmlformats.org/drawingml/2006/wordprocessingDrawing" xmlns:a14="http://schemas.microsoft.com/office/drawing/2010/main" xmlns:mc="http://schemas.openxmlformats.org/markup-compatibility/2006" xmlns:p14="http://schemas.microsoft.com/office/powerpoint/2010/main" xmlns:p15="http://schemas.microsoft.com/office/powerpoint/2012/main" xmlns:p159="http://schemas.microsoft.com/office/powerpoint/2015/09/main" xmlns:p="http://schemas.openxmlformats.org/presentationml/2006/main" type="title" preserve="1">
   <p:cSld name="Title Slide">
     <p:spTree>
       <p:nvGrpSpPr>
-        <p:cNvPr id="1" name=""/>
+        <p:cNvPr id="1" name="" title=""/>
         <p:cNvGrpSpPr/>
         <p:nvPr/>
       </p:nvGrpSpPr>
@@ -655,7 +655,7 @@
       </p:grpSpPr>
       <p:sp>
         <p:nvSpPr>
-          <p:cNvPr id="2" name="Title 1"/>
+          <p:cNvPr id="2" name="Title 1" title=""/>
           <p:cNvSpPr>
             <a:spLocks noGrp="1"/>
           </p:cNvSpPr>
@@ -678,7 +678,7 @@
       </p:sp>
       <p:sp>
         <p:nvSpPr>
-          <p:cNvPr id="3" name="Subtitle 2"/>
+          <p:cNvPr id="3" name="Subtitle 2" title=""/>
           <p:cNvSpPr>
             <a:spLocks noGrp="1"/>
           </p:cNvSpPr>
@@ -792,7 +792,7 @@
       </p:sp>
       <p:sp>
         <p:nvSpPr>
-          <p:cNvPr id="4" name="Date Placeholder 3"/>
+          <p:cNvPr id="4" name="Date Placeholder 3" title=""/>
           <p:cNvSpPr>
             <a:spLocks noGrp="1"/>
           </p:cNvSpPr>
@@ -805,7 +805,7 @@
           <a:bodyPr/>
           <a:lstStyle/>
           <a:p>
-            <a:fld id="{EA5C69D9-8A8B-407A-8ABB-3998763B2DA8}" type="datetimeFigureOut">
+            <a:fld id="{4C03F686-9A04-4B61-AEDE-1989693C73CB}" type="datetimeFigureOut">
               <a:rPr lang="en-US" smtClean="0"/>
               <a:t>11/7/2009</a:t>
             </a:fld>
@@ -815,7 +815,7 @@
       </p:sp>
       <p:sp>
         <p:nvSpPr>
-          <p:cNvPr id="5" name="Footer Placeholder 4"/>
+          <p:cNvPr id="5" name="Footer Placeholder 4" title=""/>
           <p:cNvSpPr>
             <a:spLocks noGrp="1"/>
           </p:cNvSpPr>
@@ -834,7 +834,7 @@
       </p:sp>
       <p:sp>
         <p:nvSpPr>
-          <p:cNvPr id="6" name="Slide Number Placeholder 5"/>
+          <p:cNvPr id="6" name="Slide Number Placeholder 5" title=""/>
           <p:cNvSpPr>
             <a:spLocks noGrp="1"/>
           </p:cNvSpPr>
@@ -866,11 +866,11 @@
 </file>
 
 <file path=ppt/slideLayouts/slideLayout10.xml><?xml version="1.0" encoding="utf-8"?>
-<p:sldLayout xmlns:a="http://schemas.openxmlformats.org/drawingml/2006/main" xmlns:r="http://schemas.openxmlformats.org/officeDocument/2006/relationships" xmlns:p14="http://schemas.microsoft.com/office/powerpoint/2010/main" xmlns:a14="http://schemas.microsoft.com/office/drawing/2010/main" xmlns:p15="http://schemas.microsoft.com/office/powerpoint/2012/main" xmlns:p159="http://schemas.microsoft.com/office/powerpoint/2015/09/main" xmlns:p="http://schemas.openxmlformats.org/presentationml/2006/main" type="vertTx" preserve="1">
+<p:sldLayout xmlns:a="http://schemas.openxmlformats.org/drawingml/2006/main" xmlns:r="http://schemas.openxmlformats.org/officeDocument/2006/relationships" xmlns:m="http://schemas.openxmlformats.org/officeDocument/2006/math" xmlns:w="http://schemas.openxmlformats.org/wordprocessingml/2006/main" xmlns:wp="http://schemas.openxmlformats.org/drawingml/2006/wordprocessingDrawing" xmlns:a14="http://schemas.microsoft.com/office/drawing/2010/main" xmlns:mc="http://schemas.openxmlformats.org/markup-compatibility/2006" xmlns:p14="http://schemas.microsoft.com/office/powerpoint/2010/main" xmlns:p15="http://schemas.microsoft.com/office/powerpoint/2012/main" xmlns:p159="http://schemas.microsoft.com/office/powerpoint/2015/09/main" xmlns:p="http://schemas.openxmlformats.org/presentationml/2006/main" type="vertTx" preserve="1">
   <p:cSld name="Title and Vertical Text">
     <p:spTree>
       <p:nvGrpSpPr>
-        <p:cNvPr id="1" name=""/>
+        <p:cNvPr id="1" name="" title=""/>
         <p:cNvGrpSpPr/>
         <p:nvPr/>
       </p:nvGrpSpPr>
@@ -882,7 +882,7 @@
       </p:grpSpPr>
       <p:sp>
         <p:nvSpPr>
-          <p:cNvPr id="2" name="Title 1"/>
+          <p:cNvPr id="2" name="Title 1" title=""/>
           <p:cNvSpPr>
             <a:spLocks noGrp="1"/>
           </p:cNvSpPr>
@@ -905,7 +905,7 @@
       </p:sp>
       <p:sp>
         <p:nvSpPr>
-          <p:cNvPr id="3" name="Vertical Text Placeholder 2"/>
+          <p:cNvPr id="3" name="Vertical Text Placeholder 2" title=""/>
           <p:cNvSpPr>
             <a:spLocks noGrp="1"/>
           </p:cNvSpPr>
@@ -956,7 +956,7 @@
       </p:sp>
       <p:sp>
         <p:nvSpPr>
-          <p:cNvPr id="4" name="Date Placeholder 3"/>
+          <p:cNvPr id="4" name="Date Placeholder 3" title=""/>
           <p:cNvSpPr>
             <a:spLocks noGrp="1"/>
           </p:cNvSpPr>
@@ -969,7 +969,7 @@
           <a:bodyPr/>
           <a:lstStyle/>
           <a:p>
-            <a:fld id="{62A4C848-B472-44EE-B8FD-B82D073F5152}" type="datetimeFigureOut">
+            <a:fld id="{17A6607E-8B2D-4CCE-AEE7-DE66B30D7A5F}" type="datetimeFigureOut">
               <a:rPr lang="en-US" smtClean="0"/>
               <a:t>11/7/2009</a:t>
             </a:fld>
@@ -979,7 +979,7 @@
       </p:sp>
       <p:sp>
         <p:nvSpPr>
-          <p:cNvPr id="5" name="Footer Placeholder 4"/>
+          <p:cNvPr id="5" name="Footer Placeholder 4" title=""/>
           <p:cNvSpPr>
             <a:spLocks noGrp="1"/>
           </p:cNvSpPr>
@@ -998,7 +998,7 @@
       </p:sp>
       <p:sp>
         <p:nvSpPr>
-          <p:cNvPr id="6" name="Slide Number Placeholder 5"/>
+          <p:cNvPr id="6" name="Slide Number Placeholder 5" title=""/>
           <p:cNvSpPr>
             <a:spLocks noGrp="1"/>
           </p:cNvSpPr>
@@ -1030,11 +1030,11 @@
 </file>
 
 <file path=ppt/slideLayouts/slideLayout11.xml><?xml version="1.0" encoding="utf-8"?>
-<p:sldLayout xmlns:a="http://schemas.openxmlformats.org/drawingml/2006/main" xmlns:r="http://schemas.openxmlformats.org/officeDocument/2006/relationships" xmlns:p14="http://schemas.microsoft.com/office/powerpoint/2010/main" xmlns:a14="http://schemas.microsoft.com/office/drawing/2010/main" xmlns:p15="http://schemas.microsoft.com/office/powerpoint/2012/main" xmlns:p159="http://schemas.microsoft.com/office/powerpoint/2015/09/main" xmlns:p="http://schemas.openxmlformats.org/presentationml/2006/main" type="vertTitleAndTx" preserve="1">
+<p:sldLayout xmlns:a="http://schemas.openxmlformats.org/drawingml/2006/main" xmlns:r="http://schemas.openxmlformats.org/officeDocument/2006/relationships" xmlns:m="http://schemas.openxmlformats.org/officeDocument/2006/math" xmlns:w="http://schemas.openxmlformats.org/wordprocessingml/2006/main" xmlns:wp="http://schemas.openxmlformats.org/drawingml/2006/wordprocessingDrawing" xmlns:a14="http://schemas.microsoft.com/office/drawing/2010/main" xmlns:mc="http://schemas.openxmlformats.org/markup-compatibility/2006" xmlns:p14="http://schemas.microsoft.com/office/powerpoint/2010/main" xmlns:p15="http://schemas.microsoft.com/office/powerpoint/2012/main" xmlns:p159="http://schemas.microsoft.com/office/powerpoint/2015/09/main" xmlns:p="http://schemas.openxmlformats.org/presentationml/2006/main" type="vertTitleAndTx" preserve="1">
   <p:cSld name="Vertical Title and Text">
     <p:spTree>
       <p:nvGrpSpPr>
-        <p:cNvPr id="1" name=""/>
+        <p:cNvPr id="1" name="" title=""/>
         <p:cNvGrpSpPr/>
         <p:nvPr/>
       </p:nvGrpSpPr>
@@ -1046,7 +1046,7 @@
       </p:grpSpPr>
       <p:sp>
         <p:nvSpPr>
-          <p:cNvPr id="2" name="Vertical Title 1"/>
+          <p:cNvPr id="2" name="Vertical Title 1" title=""/>
           <p:cNvSpPr>
             <a:spLocks noGrp="1"/>
           </p:cNvSpPr>
@@ -1069,7 +1069,7 @@
       </p:sp>
       <p:sp>
         <p:nvSpPr>
-          <p:cNvPr id="3" name="Vertical Text Placeholder 2"/>
+          <p:cNvPr id="3" name="Vertical Text Placeholder 2" title=""/>
           <p:cNvSpPr>
             <a:spLocks noGrp="1"/>
           </p:cNvSpPr>
@@ -1120,7 +1120,7 @@
       </p:sp>
       <p:sp>
         <p:nvSpPr>
-          <p:cNvPr id="4" name="Date Placeholder 3"/>
+          <p:cNvPr id="4" name="Date Placeholder 3" title=""/>
           <p:cNvSpPr>
             <a:spLocks noGrp="1"/>
           </p:cNvSpPr>
@@ -1133,7 +1133,7 @@
           <a:bodyPr/>
           <a:lstStyle/>
           <a:p>
-            <a:fld id="{CD98C795-6026-4658-8F09-BE59AB82D5D6}" type="datetimeFigureOut">
+            <a:fld id="{6E3ABBD9-DD52-40C2-ACA9-70D3E66545E4}" type="datetimeFigureOut">
               <a:rPr lang="en-US" smtClean="0"/>
               <a:t>11/7/2009</a:t>
             </a:fld>
@@ -1143,7 +1143,7 @@
       </p:sp>
       <p:sp>
         <p:nvSpPr>
-          <p:cNvPr id="5" name="Footer Placeholder 4"/>
+          <p:cNvPr id="5" name="Footer Placeholder 4" title=""/>
           <p:cNvSpPr>
             <a:spLocks noGrp="1"/>
           </p:cNvSpPr>
@@ -1162,7 +1162,7 @@
       </p:sp>
       <p:sp>
         <p:nvSpPr>
-          <p:cNvPr id="6" name="Slide Number Placeholder 5"/>
+          <p:cNvPr id="6" name="Slide Number Placeholder 5" title=""/>
           <p:cNvSpPr>
             <a:spLocks noGrp="1"/>
           </p:cNvSpPr>
@@ -1194,11 +1194,11 @@
 </file>
 
 <file path=ppt/slideLayouts/slideLayout2.xml><?xml version="1.0" encoding="utf-8"?>
-<p:sldLayout xmlns:a="http://schemas.openxmlformats.org/drawingml/2006/main" xmlns:r="http://schemas.openxmlformats.org/officeDocument/2006/relationships" xmlns:p14="http://schemas.microsoft.com/office/powerpoint/2010/main" xmlns:a14="http://schemas.microsoft.com/office/drawing/2010/main" xmlns:p15="http://schemas.microsoft.com/office/powerpoint/2012/main" xmlns:p159="http://schemas.microsoft.com/office/powerpoint/2015/09/main" xmlns:p="http://schemas.openxmlformats.org/presentationml/2006/main" type="obj" preserve="1">
+<p:sldLayout xmlns:a="http://schemas.openxmlformats.org/drawingml/2006/main" xmlns:r="http://schemas.openxmlformats.org/officeDocument/2006/relationships" xmlns:m="http://schemas.openxmlformats.org/officeDocument/2006/math" xmlns:w="http://schemas.openxmlformats.org/wordprocessingml/2006/main" xmlns:wp="http://schemas.openxmlformats.org/drawingml/2006/wordprocessingDrawing" xmlns:a14="http://schemas.microsoft.com/office/drawing/2010/main" xmlns:mc="http://schemas.openxmlformats.org/markup-compatibility/2006" xmlns:p14="http://schemas.microsoft.com/office/powerpoint/2010/main" xmlns:p15="http://schemas.microsoft.com/office/powerpoint/2012/main" xmlns:p159="http://schemas.microsoft.com/office/powerpoint/2015/09/main" xmlns:p="http://schemas.openxmlformats.org/presentationml/2006/main" type="obj" preserve="1">
   <p:cSld name="Title and Content">
     <p:spTree>
       <p:nvGrpSpPr>
-        <p:cNvPr id="1" name=""/>
+        <p:cNvPr id="1" name="" title=""/>
         <p:cNvGrpSpPr/>
         <p:nvPr/>
       </p:nvGrpSpPr>
@@ -1210,7 +1210,7 @@
       </p:grpSpPr>
       <p:sp>
         <p:nvSpPr>
-          <p:cNvPr id="2" name="Title 1"/>
+          <p:cNvPr id="2" name="Title 1" title=""/>
           <p:cNvSpPr>
             <a:spLocks noGrp="1"/>
           </p:cNvSpPr>
@@ -1233,7 +1233,7 @@
       </p:sp>
       <p:sp>
         <p:nvSpPr>
-          <p:cNvPr id="3" name="Content Placeholder 2"/>
+          <p:cNvPr id="3" name="Content Placeholder 2" title=""/>
           <p:cNvSpPr>
             <a:spLocks noGrp="1"/>
           </p:cNvSpPr>
@@ -1284,7 +1284,7 @@
       </p:sp>
       <p:sp>
         <p:nvSpPr>
-          <p:cNvPr id="4" name="Date Placeholder 3"/>
+          <p:cNvPr id="4" name="Date Placeholder 3" title=""/>
           <p:cNvSpPr>
             <a:spLocks noGrp="1"/>
           </p:cNvSpPr>
@@ -1297,7 +1297,7 @@
           <a:bodyPr/>
           <a:lstStyle/>
           <a:p>
-            <a:fld id="{FFFBEAE2-A42A-496B-BF96-E18AA57DA106}" type="datetimeFigureOut">
+            <a:fld id="{7426B569-5A5A-480A-9F7D-1C5B191EAEBD}" type="datetimeFigureOut">
               <a:rPr lang="en-US" smtClean="0"/>
               <a:t>11/7/2009</a:t>
             </a:fld>
@@ -1307,7 +1307,7 @@
       </p:sp>
       <p:sp>
         <p:nvSpPr>
-          <p:cNvPr id="5" name="Footer Placeholder 4"/>
+          <p:cNvPr id="5" name="Footer Placeholder 4" title=""/>
           <p:cNvSpPr>
             <a:spLocks noGrp="1"/>
           </p:cNvSpPr>
@@ -1326,7 +1326,7 @@
       </p:sp>
       <p:sp>
         <p:nvSpPr>
-          <p:cNvPr id="6" name="Slide Number Placeholder 5"/>
+          <p:cNvPr id="6" name="Slide Number Placeholder 5" title=""/>
           <p:cNvSpPr>
             <a:spLocks noGrp="1"/>
           </p:cNvSpPr>
@@ -1358,11 +1358,11 @@
 </file>
 
 <file path=ppt/slideLayouts/slideLayout3.xml><?xml version="1.0" encoding="utf-8"?>
-<p:sldLayout xmlns:a="http://schemas.openxmlformats.org/drawingml/2006/main" xmlns:r="http://schemas.openxmlformats.org/officeDocument/2006/relationships" xmlns:p14="http://schemas.microsoft.com/office/powerpoint/2010/main" xmlns:a14="http://schemas.microsoft.com/office/drawing/2010/main" xmlns:p15="http://schemas.microsoft.com/office/powerpoint/2012/main" xmlns:p159="http://schemas.microsoft.com/office/powerpoint/2015/09/main" xmlns:p="http://schemas.openxmlformats.org/presentationml/2006/main" type="secHead" preserve="1">
+<p:sldLayout xmlns:a="http://schemas.openxmlformats.org/drawingml/2006/main" xmlns:r="http://schemas.openxmlformats.org/officeDocument/2006/relationships" xmlns:m="http://schemas.openxmlformats.org/officeDocument/2006/math" xmlns:w="http://schemas.openxmlformats.org/wordprocessingml/2006/main" xmlns:wp="http://schemas.openxmlformats.org/drawingml/2006/wordprocessingDrawing" xmlns:a14="http://schemas.microsoft.com/office/drawing/2010/main" xmlns:mc="http://schemas.openxmlformats.org/markup-compatibility/2006" xmlns:p14="http://schemas.microsoft.com/office/powerpoint/2010/main" xmlns:p15="http://schemas.microsoft.com/office/powerpoint/2012/main" xmlns:p159="http://schemas.microsoft.com/office/powerpoint/2015/09/main" xmlns:p="http://schemas.openxmlformats.org/presentationml/2006/main" type="secHead" preserve="1">
   <p:cSld name="Section Header">
     <p:spTree>
       <p:nvGrpSpPr>
-        <p:cNvPr id="1" name=""/>
+        <p:cNvPr id="1" name="" title=""/>
         <p:cNvGrpSpPr/>
         <p:nvPr/>
       </p:nvGrpSpPr>
@@ -1374,7 +1374,7 @@
       </p:grpSpPr>
       <p:sp>
         <p:nvSpPr>
-          <p:cNvPr id="2" name="Title 1"/>
+          <p:cNvPr id="2" name="Title 1" title=""/>
           <p:cNvSpPr>
             <a:spLocks noGrp="1"/>
           </p:cNvSpPr>
@@ -1401,7 +1401,7 @@
       </p:sp>
       <p:sp>
         <p:nvSpPr>
-          <p:cNvPr id="3" name="Text Placeholder 2"/>
+          <p:cNvPr id="3" name="Text Placeholder 2" title=""/>
           <p:cNvSpPr>
             <a:spLocks noGrp="1"/>
           </p:cNvSpPr>
@@ -1514,7 +1514,7 @@
       </p:sp>
       <p:sp>
         <p:nvSpPr>
-          <p:cNvPr id="4" name="Date Placeholder 3"/>
+          <p:cNvPr id="4" name="Date Placeholder 3" title=""/>
           <p:cNvSpPr>
             <a:spLocks noGrp="1"/>
           </p:cNvSpPr>
@@ -1527,7 +1527,7 @@
           <a:bodyPr/>
           <a:lstStyle/>
           <a:p>
-            <a:fld id="{1AC99989-EB87-4C50-9362-E39232494A09}" type="datetimeFigureOut">
+            <a:fld id="{44E8DAB3-5BCE-44DF-9DC9-65B39A2B7FB7}" type="datetimeFigureOut">
               <a:rPr lang="en-US" smtClean="0"/>
               <a:t>11/7/2009</a:t>
             </a:fld>
@@ -1537,7 +1537,7 @@
       </p:sp>
       <p:sp>
         <p:nvSpPr>
-          <p:cNvPr id="5" name="Footer Placeholder 4"/>
+          <p:cNvPr id="5" name="Footer Placeholder 4" title=""/>
           <p:cNvSpPr>
             <a:spLocks noGrp="1"/>
           </p:cNvSpPr>
@@ -1556,7 +1556,7 @@
       </p:sp>
       <p:sp>
         <p:nvSpPr>
-          <p:cNvPr id="6" name="Slide Number Placeholder 5"/>
+          <p:cNvPr id="6" name="Slide Number Placeholder 5" title=""/>
           <p:cNvSpPr>
             <a:spLocks noGrp="1"/>
           </p:cNvSpPr>
@@ -1588,11 +1588,11 @@
 </file>
 
 <file path=ppt/slideLayouts/slideLayout4.xml><?xml version="1.0" encoding="utf-8"?>
-<p:sldLayout xmlns:a="http://schemas.openxmlformats.org/drawingml/2006/main" xmlns:r="http://schemas.openxmlformats.org/officeDocument/2006/relationships" xmlns:p14="http://schemas.microsoft.com/office/powerpoint/2010/main" xmlns:a14="http://schemas.microsoft.com/office/drawing/2010/main" xmlns:p15="http://schemas.microsoft.com/office/powerpoint/2012/main" xmlns:p159="http://schemas.microsoft.com/office/powerpoint/2015/09/main" xmlns:p="http://schemas.openxmlformats.org/presentationml/2006/main" type="twoObj" preserve="1">
+<p:sldLayout xmlns:a="http://schemas.openxmlformats.org/drawingml/2006/main" xmlns:r="http://schemas.openxmlformats.org/officeDocument/2006/relationships" xmlns:m="http://schemas.openxmlformats.org/officeDocument/2006/math" xmlns:w="http://schemas.openxmlformats.org/wordprocessingml/2006/main" xmlns:wp="http://schemas.openxmlformats.org/drawingml/2006/wordprocessingDrawing" xmlns:a14="http://schemas.microsoft.com/office/drawing/2010/main" xmlns:mc="http://schemas.openxmlformats.org/markup-compatibility/2006" xmlns:p14="http://schemas.microsoft.com/office/powerpoint/2010/main" xmlns:p15="http://schemas.microsoft.com/office/powerpoint/2012/main" xmlns:p159="http://schemas.microsoft.com/office/powerpoint/2015/09/main" xmlns:p="http://schemas.openxmlformats.org/presentationml/2006/main" type="twoObj" preserve="1">
   <p:cSld name="Two Content">
     <p:spTree>
       <p:nvGrpSpPr>
-        <p:cNvPr id="1" name=""/>
+        <p:cNvPr id="1" name="" title=""/>
         <p:cNvGrpSpPr/>
         <p:nvPr/>
       </p:nvGrpSpPr>
@@ -1604,7 +1604,7 @@
       </p:grpSpPr>
       <p:sp>
         <p:nvSpPr>
-          <p:cNvPr id="2" name="Title 1"/>
+          <p:cNvPr id="2" name="Title 1" title=""/>
           <p:cNvSpPr>
             <a:spLocks noGrp="1"/>
           </p:cNvSpPr>
@@ -1627,7 +1627,7 @@
       </p:sp>
       <p:sp>
         <p:nvSpPr>
-          <p:cNvPr id="3" name="Content Placeholder 2"/>
+          <p:cNvPr id="3" name="Content Placeholder 2" title=""/>
           <p:cNvSpPr>
             <a:spLocks noGrp="1"/>
           </p:cNvSpPr>
@@ -1706,7 +1706,7 @@
       </p:sp>
       <p:sp>
         <p:nvSpPr>
-          <p:cNvPr id="4" name="Content Placeholder 3"/>
+          <p:cNvPr id="4" name="Content Placeholder 3" title=""/>
           <p:cNvSpPr>
             <a:spLocks noGrp="1"/>
           </p:cNvSpPr>
@@ -1785,7 +1785,7 @@
       </p:sp>
       <p:sp>
         <p:nvSpPr>
-          <p:cNvPr id="5" name="Date Placeholder 4"/>
+          <p:cNvPr id="5" name="Date Placeholder 4" title=""/>
           <p:cNvSpPr>
             <a:spLocks noGrp="1"/>
           </p:cNvSpPr>
@@ -1798,7 +1798,7 @@
           <a:bodyPr/>
           <a:lstStyle/>
           <a:p>
-            <a:fld id="{DB1E2DC7-78B8-46B8-9A76-08F3BE83E57B}" type="datetimeFigureOut">
+            <a:fld id="{3F946FE1-4640-4370-B68D-F1E1F1C7A1A6}" type="datetimeFigureOut">
               <a:rPr lang="en-US" smtClean="0"/>
               <a:t>11/7/2009</a:t>
             </a:fld>
@@ -1808,7 +1808,7 @@
       </p:sp>
       <p:sp>
         <p:nvSpPr>
-          <p:cNvPr id="6" name="Footer Placeholder 5"/>
+          <p:cNvPr id="6" name="Footer Placeholder 5" title=""/>
           <p:cNvSpPr>
             <a:spLocks noGrp="1"/>
           </p:cNvSpPr>
@@ -1827,7 +1827,7 @@
       </p:sp>
       <p:sp>
         <p:nvSpPr>
-          <p:cNvPr id="7" name="Slide Number Placeholder 6"/>
+          <p:cNvPr id="7" name="Slide Number Placeholder 6" title=""/>
           <p:cNvSpPr>
             <a:spLocks noGrp="1"/>
           </p:cNvSpPr>
@@ -1859,11 +1859,11 @@
 </file>
 
 <file path=ppt/slideLayouts/slideLayout5.xml><?xml version="1.0" encoding="utf-8"?>
-<p:sldLayout xmlns:a="http://schemas.openxmlformats.org/drawingml/2006/main" xmlns:r="http://schemas.openxmlformats.org/officeDocument/2006/relationships" xmlns:p14="http://schemas.microsoft.com/office/powerpoint/2010/main" xmlns:a14="http://schemas.microsoft.com/office/drawing/2010/main" xmlns:p15="http://schemas.microsoft.com/office/powerpoint/2012/main" xmlns:p159="http://schemas.microsoft.com/office/powerpoint/2015/09/main" xmlns:p="http://schemas.openxmlformats.org/presentationml/2006/main" type="twoTxTwoObj" preserve="1">
+<p:sldLayout xmlns:a="http://schemas.openxmlformats.org/drawingml/2006/main" xmlns:r="http://schemas.openxmlformats.org/officeDocument/2006/relationships" xmlns:m="http://schemas.openxmlformats.org/officeDocument/2006/math" xmlns:w="http://schemas.openxmlformats.org/wordprocessingml/2006/main" xmlns:wp="http://schemas.openxmlformats.org/drawingml/2006/wordprocessingDrawing" xmlns:a14="http://schemas.microsoft.com/office/drawing/2010/main" xmlns:mc="http://schemas.openxmlformats.org/markup-compatibility/2006" xmlns:p14="http://schemas.microsoft.com/office/powerpoint/2010/main" xmlns:p15="http://schemas.microsoft.com/office/powerpoint/2012/main" xmlns:p159="http://schemas.microsoft.com/office/powerpoint/2015/09/main" xmlns:p="http://schemas.openxmlformats.org/presentationml/2006/main" type="twoTxTwoObj" preserve="1">
   <p:cSld name="Comparison">
     <p:spTree>
       <p:nvGrpSpPr>
-        <p:cNvPr id="1" name=""/>
+        <p:cNvPr id="1" name="" title=""/>
         <p:cNvGrpSpPr/>
         <p:nvPr/>
       </p:nvGrpSpPr>
@@ -1875,7 +1875,7 @@
       </p:grpSpPr>
       <p:sp>
         <p:nvSpPr>
-          <p:cNvPr id="2" name="Title 1"/>
+          <p:cNvPr id="2" name="Title 1" title=""/>
           <p:cNvSpPr>
             <a:spLocks noGrp="1"/>
           </p:cNvSpPr>
@@ -1898,7 +1898,7 @@
       </p:sp>
       <p:sp>
         <p:nvSpPr>
-          <p:cNvPr id="3" name="Text Placeholder 2"/>
+          <p:cNvPr id="3" name="Text Placeholder 2" title=""/>
           <p:cNvSpPr>
             <a:spLocks noGrp="1"/>
           </p:cNvSpPr>
@@ -1957,7 +1957,7 @@
       </p:sp>
       <p:sp>
         <p:nvSpPr>
-          <p:cNvPr id="4" name="Content Placeholder 3"/>
+          <p:cNvPr id="4" name="Content Placeholder 3" title=""/>
           <p:cNvSpPr>
             <a:spLocks noGrp="1"/>
           </p:cNvSpPr>
@@ -2036,7 +2036,7 @@
       </p:sp>
       <p:sp>
         <p:nvSpPr>
-          <p:cNvPr id="5" name="Text Placeholder 4"/>
+          <p:cNvPr id="5" name="Text Placeholder 4" title=""/>
           <p:cNvSpPr>
             <a:spLocks noGrp="1"/>
           </p:cNvSpPr>
@@ -2095,7 +2095,7 @@
       </p:sp>
       <p:sp>
         <p:nvSpPr>
-          <p:cNvPr id="6" name="Content Placeholder 5"/>
+          <p:cNvPr id="6" name="Content Placeholder 5" title=""/>
           <p:cNvSpPr>
             <a:spLocks noGrp="1"/>
           </p:cNvSpPr>
@@ -2174,7 +2174,7 @@
       </p:sp>
       <p:sp>
         <p:nvSpPr>
-          <p:cNvPr id="7" name="Date Placeholder 6"/>
+          <p:cNvPr id="7" name="Date Placeholder 6" title=""/>
           <p:cNvSpPr>
             <a:spLocks noGrp="1"/>
           </p:cNvSpPr>
@@ -2187,7 +2187,7 @@
           <a:bodyPr/>
           <a:lstStyle/>
           <a:p>
-            <a:fld id="{CC1A0CD6-4701-4747-A7CA-36CE710F1093}" type="datetimeFigureOut">
+            <a:fld id="{4A6DB03C-0AC6-4048-86E7-F46800636557}" type="datetimeFigureOut">
               <a:rPr lang="en-US" smtClean="0"/>
               <a:t>11/7/2009</a:t>
             </a:fld>
@@ -2197,7 +2197,7 @@
       </p:sp>
       <p:sp>
         <p:nvSpPr>
-          <p:cNvPr id="8" name="Footer Placeholder 7"/>
+          <p:cNvPr id="8" name="Footer Placeholder 7" title=""/>
           <p:cNvSpPr>
             <a:spLocks noGrp="1"/>
           </p:cNvSpPr>
@@ -2216,7 +2216,7 @@
       </p:sp>
       <p:sp>
         <p:nvSpPr>
-          <p:cNvPr id="9" name="Slide Number Placeholder 8"/>
+          <p:cNvPr id="9" name="Slide Number Placeholder 8" title=""/>
           <p:cNvSpPr>
             <a:spLocks noGrp="1"/>
           </p:cNvSpPr>
@@ -2248,11 +2248,11 @@
 </file>
 
 <file path=ppt/slideLayouts/slideLayout6.xml><?xml version="1.0" encoding="utf-8"?>
-<p:sldLayout xmlns:a="http://schemas.openxmlformats.org/drawingml/2006/main" xmlns:r="http://schemas.openxmlformats.org/officeDocument/2006/relationships" xmlns:p14="http://schemas.microsoft.com/office/powerpoint/2010/main" xmlns:a14="http://schemas.microsoft.com/office/drawing/2010/main" xmlns:p15="http://schemas.microsoft.com/office/powerpoint/2012/main" xmlns:p159="http://schemas.microsoft.com/office/powerpoint/2015/09/main" xmlns:p="http://schemas.openxmlformats.org/presentationml/2006/main" type="titleOnly" preserve="1">
+<p:sldLayout xmlns:a="http://schemas.openxmlformats.org/drawingml/2006/main" xmlns:r="http://schemas.openxmlformats.org/officeDocument/2006/relationships" xmlns:m="http://schemas.openxmlformats.org/officeDocument/2006/math" xmlns:w="http://schemas.openxmlformats.org/wordprocessingml/2006/main" xmlns:wp="http://schemas.openxmlformats.org/drawingml/2006/wordprocessingDrawing" xmlns:a14="http://schemas.microsoft.com/office/drawing/2010/main" xmlns:mc="http://schemas.openxmlformats.org/markup-compatibility/2006" xmlns:p14="http://schemas.microsoft.com/office/powerpoint/2010/main" xmlns:p15="http://schemas.microsoft.com/office/powerpoint/2012/main" xmlns:p159="http://schemas.microsoft.com/office/powerpoint/2015/09/main" xmlns:p="http://schemas.openxmlformats.org/presentationml/2006/main" type="titleOnly" preserve="1">
   <p:cSld name="Title Only">
     <p:spTree>
       <p:nvGrpSpPr>
-        <p:cNvPr id="1" name=""/>
+        <p:cNvPr id="1" name="" title=""/>
         <p:cNvGrpSpPr/>
         <p:nvPr/>
       </p:nvGrpSpPr>
@@ -2264,7 +2264,7 @@
       </p:grpSpPr>
       <p:sp>
         <p:nvSpPr>
-          <p:cNvPr id="2" name="Title 1"/>
+          <p:cNvPr id="2" name="Title 1" title=""/>
           <p:cNvSpPr>
             <a:spLocks noGrp="1"/>
           </p:cNvSpPr>
@@ -2287,7 +2287,7 @@
       </p:sp>
       <p:sp>
         <p:nvSpPr>
-          <p:cNvPr id="3" name="Date Placeholder 2"/>
+          <p:cNvPr id="3" name="Date Placeholder 2" title=""/>
           <p:cNvSpPr>
             <a:spLocks noGrp="1"/>
           </p:cNvSpPr>
@@ -2300,7 +2300,7 @@
           <a:bodyPr/>
           <a:lstStyle/>
           <a:p>
-            <a:fld id="{3B7D80E0-5819-418E-BE4D-0AD7E0B756FF}" type="datetimeFigureOut">
+            <a:fld id="{C7A6DF95-64F3-4ACA-83BE-CCDA346016B3}" type="datetimeFigureOut">
               <a:rPr lang="en-US" smtClean="0"/>
               <a:t>11/7/2009</a:t>
             </a:fld>
@@ -2310,7 +2310,7 @@
       </p:sp>
       <p:sp>
         <p:nvSpPr>
-          <p:cNvPr id="4" name="Footer Placeholder 3"/>
+          <p:cNvPr id="4" name="Footer Placeholder 3" title=""/>
           <p:cNvSpPr>
             <a:spLocks noGrp="1"/>
           </p:cNvSpPr>
@@ -2329,7 +2329,7 @@
       </p:sp>
       <p:sp>
         <p:nvSpPr>
-          <p:cNvPr id="5" name="Slide Number Placeholder 4"/>
+          <p:cNvPr id="5" name="Slide Number Placeholder 4" title=""/>
           <p:cNvSpPr>
             <a:spLocks noGrp="1"/>
           </p:cNvSpPr>
@@ -2361,11 +2361,11 @@
 </file>
 
 <file path=ppt/slideLayouts/slideLayout7.xml><?xml version="1.0" encoding="utf-8"?>
-<p:sldLayout xmlns:a="http://schemas.openxmlformats.org/drawingml/2006/main" xmlns:r="http://schemas.openxmlformats.org/officeDocument/2006/relationships" xmlns:p14="http://schemas.microsoft.com/office/powerpoint/2010/main" xmlns:a14="http://schemas.microsoft.com/office/drawing/2010/main" xmlns:p15="http://schemas.microsoft.com/office/powerpoint/2012/main" xmlns:p159="http://schemas.microsoft.com/office/powerpoint/2015/09/main" xmlns:p="http://schemas.openxmlformats.org/presentationml/2006/main" type="blank" preserve="1">
+<p:sldLayout xmlns:a="http://schemas.openxmlformats.org/drawingml/2006/main" xmlns:r="http://schemas.openxmlformats.org/officeDocument/2006/relationships" xmlns:m="http://schemas.openxmlformats.org/officeDocument/2006/math" xmlns:w="http://schemas.openxmlformats.org/wordprocessingml/2006/main" xmlns:wp="http://schemas.openxmlformats.org/drawingml/2006/wordprocessingDrawing" xmlns:a14="http://schemas.microsoft.com/office/drawing/2010/main" xmlns:mc="http://schemas.openxmlformats.org/markup-compatibility/2006" xmlns:p14="http://schemas.microsoft.com/office/powerpoint/2010/main" xmlns:p15="http://schemas.microsoft.com/office/powerpoint/2012/main" xmlns:p159="http://schemas.microsoft.com/office/powerpoint/2015/09/main" xmlns:p="http://schemas.openxmlformats.org/presentationml/2006/main" type="blank" preserve="1">
   <p:cSld name="Blank">
     <p:spTree>
       <p:nvGrpSpPr>
-        <p:cNvPr id="1" name=""/>
+        <p:cNvPr id="1" name="" title=""/>
         <p:cNvGrpSpPr/>
         <p:nvPr/>
       </p:nvGrpSpPr>
@@ -2377,7 +2377,7 @@
       </p:grpSpPr>
       <p:sp>
         <p:nvSpPr>
-          <p:cNvPr id="2" name="Date Placeholder 1"/>
+          <p:cNvPr id="2" name="Date Placeholder 1" title=""/>
           <p:cNvSpPr>
             <a:spLocks noGrp="1"/>
           </p:cNvSpPr>
@@ -2390,7 +2390,7 @@
           <a:bodyPr/>
           <a:lstStyle/>
           <a:p>
-            <a:fld id="{739B571E-1130-4B4F-8E79-4B2CF23ED83E}" type="datetimeFigureOut">
+            <a:fld id="{44547DDE-C58E-4B16-ACA1-1291F63E35A9}" type="datetimeFigureOut">
               <a:rPr lang="en-US" smtClean="0"/>
               <a:t>11/7/2009</a:t>
             </a:fld>
@@ -2400,7 +2400,7 @@
       </p:sp>
       <p:sp>
         <p:nvSpPr>
-          <p:cNvPr id="3" name="Footer Placeholder 2"/>
+          <p:cNvPr id="3" name="Footer Placeholder 2" title=""/>
           <p:cNvSpPr>
             <a:spLocks noGrp="1"/>
           </p:cNvSpPr>
@@ -2419,7 +2419,7 @@
       </p:sp>
       <p:sp>
         <p:nvSpPr>
-          <p:cNvPr id="4" name="Slide Number Placeholder 3"/>
+          <p:cNvPr id="4" name="Slide Number Placeholder 3" title=""/>
           <p:cNvSpPr>
             <a:spLocks noGrp="1"/>
           </p:cNvSpPr>
@@ -2451,11 +2451,11 @@
 </file>
 
 <file path=ppt/slideLayouts/slideLayout8.xml><?xml version="1.0" encoding="utf-8"?>
-<p:sldLayout xmlns:a="http://schemas.openxmlformats.org/drawingml/2006/main" xmlns:r="http://schemas.openxmlformats.org/officeDocument/2006/relationships" xmlns:p14="http://schemas.microsoft.com/office/powerpoint/2010/main" xmlns:a14="http://schemas.microsoft.com/office/drawing/2010/main" xmlns:p15="http://schemas.microsoft.com/office/powerpoint/2012/main" xmlns:p159="http://schemas.microsoft.com/office/powerpoint/2015/09/main" xmlns:p="http://schemas.openxmlformats.org/presentationml/2006/main" type="objTx" preserve="1">
+<p:sldLayout xmlns:a="http://schemas.openxmlformats.org/drawingml/2006/main" xmlns:r="http://schemas.openxmlformats.org/officeDocument/2006/relationships" xmlns:m="http://schemas.openxmlformats.org/officeDocument/2006/math" xmlns:w="http://schemas.openxmlformats.org/wordprocessingml/2006/main" xmlns:wp="http://schemas.openxmlformats.org/drawingml/2006/wordprocessingDrawing" xmlns:a14="http://schemas.microsoft.com/office/drawing/2010/main" xmlns:mc="http://schemas.openxmlformats.org/markup-compatibility/2006" xmlns:p14="http://schemas.microsoft.com/office/powerpoint/2010/main" xmlns:p15="http://schemas.microsoft.com/office/powerpoint/2012/main" xmlns:p159="http://schemas.microsoft.com/office/powerpoint/2015/09/main" xmlns:p="http://schemas.openxmlformats.org/presentationml/2006/main" type="objTx" preserve="1">
   <p:cSld name="Content with Caption">
     <p:spTree>
       <p:nvGrpSpPr>
-        <p:cNvPr id="1" name=""/>
+        <p:cNvPr id="1" name="" title=""/>
         <p:cNvGrpSpPr/>
         <p:nvPr/>
       </p:nvGrpSpPr>
@@ -2467,7 +2467,7 @@
       </p:grpSpPr>
       <p:sp>
         <p:nvSpPr>
-          <p:cNvPr id="2" name="Title 1"/>
+          <p:cNvPr id="2" name="Title 1" title=""/>
           <p:cNvSpPr>
             <a:spLocks noGrp="1"/>
           </p:cNvSpPr>
@@ -2494,7 +2494,7 @@
       </p:sp>
       <p:sp>
         <p:nvSpPr>
-          <p:cNvPr id="3" name="Content Placeholder 2"/>
+          <p:cNvPr id="3" name="Content Placeholder 2" title=""/>
           <p:cNvSpPr>
             <a:spLocks noGrp="1"/>
           </p:cNvSpPr>
@@ -2573,7 +2573,7 @@
       </p:sp>
       <p:sp>
         <p:nvSpPr>
-          <p:cNvPr id="4" name="Text Placeholder 3"/>
+          <p:cNvPr id="4" name="Text Placeholder 3" title=""/>
           <p:cNvSpPr>
             <a:spLocks noGrp="1"/>
           </p:cNvSpPr>
@@ -2632,7 +2632,7 @@
       </p:sp>
       <p:sp>
         <p:nvSpPr>
-          <p:cNvPr id="5" name="Date Placeholder 4"/>
+          <p:cNvPr id="5" name="Date Placeholder 4" title=""/>
           <p:cNvSpPr>
             <a:spLocks noGrp="1"/>
           </p:cNvSpPr>
@@ -2645,7 +2645,7 @@
           <a:bodyPr/>
           <a:lstStyle/>
           <a:p>
-            <a:fld id="{DA794C61-7307-48FE-876B-14396BF12D4A}" type="datetimeFigureOut">
+            <a:fld id="{962C1019-8732-4752-AECE-FFB4AFE87424}" type="datetimeFigureOut">
               <a:rPr lang="en-US" smtClean="0"/>
               <a:t>11/7/2009</a:t>
             </a:fld>
@@ -2655,7 +2655,7 @@
       </p:sp>
       <p:sp>
         <p:nvSpPr>
-          <p:cNvPr id="6" name="Footer Placeholder 5"/>
+          <p:cNvPr id="6" name="Footer Placeholder 5" title=""/>
           <p:cNvSpPr>
             <a:spLocks noGrp="1"/>
           </p:cNvSpPr>
@@ -2674,7 +2674,7 @@
       </p:sp>
       <p:sp>
         <p:nvSpPr>
-          <p:cNvPr id="7" name="Slide Number Placeholder 6"/>
+          <p:cNvPr id="7" name="Slide Number Placeholder 6" title=""/>
           <p:cNvSpPr>
             <a:spLocks noGrp="1"/>
           </p:cNvSpPr>
@@ -2706,11 +2706,11 @@
 </file>
 
 <file path=ppt/slideLayouts/slideLayout9.xml><?xml version="1.0" encoding="utf-8"?>
-<p:sldLayout xmlns:a="http://schemas.openxmlformats.org/drawingml/2006/main" xmlns:r="http://schemas.openxmlformats.org/officeDocument/2006/relationships" xmlns:p14="http://schemas.microsoft.com/office/powerpoint/2010/main" xmlns:a14="http://schemas.microsoft.com/office/drawing/2010/main" xmlns:p15="http://schemas.microsoft.com/office/powerpoint/2012/main" xmlns:p159="http://schemas.microsoft.com/office/powerpoint/2015/09/main" xmlns:p="http://schemas.openxmlformats.org/presentationml/2006/main" type="picTx" preserve="1">
+<p:sldLayout xmlns:a="http://schemas.openxmlformats.org/drawingml/2006/main" xmlns:r="http://schemas.openxmlformats.org/officeDocument/2006/relationships" xmlns:m="http://schemas.openxmlformats.org/officeDocument/2006/math" xmlns:w="http://schemas.openxmlformats.org/wordprocessingml/2006/main" xmlns:wp="http://schemas.openxmlformats.org/drawingml/2006/wordprocessingDrawing" xmlns:a14="http://schemas.microsoft.com/office/drawing/2010/main" xmlns:mc="http://schemas.openxmlformats.org/markup-compatibility/2006" xmlns:p14="http://schemas.microsoft.com/office/powerpoint/2010/main" xmlns:p15="http://schemas.microsoft.com/office/powerpoint/2012/main" xmlns:p159="http://schemas.microsoft.com/office/powerpoint/2015/09/main" xmlns:p="http://schemas.openxmlformats.org/presentationml/2006/main" type="picTx" preserve="1">
   <p:cSld name="Picture with Caption">
     <p:spTree>
       <p:nvGrpSpPr>
-        <p:cNvPr id="1" name=""/>
+        <p:cNvPr id="1" name="" title=""/>
         <p:cNvGrpSpPr/>
         <p:nvPr/>
       </p:nvGrpSpPr>
@@ -2722,7 +2722,7 @@
       </p:grpSpPr>
       <p:sp>
         <p:nvSpPr>
-          <p:cNvPr id="2" name="Title 1"/>
+          <p:cNvPr id="2" name="Title 1" title=""/>
           <p:cNvSpPr>
             <a:spLocks noGrp="1"/>
           </p:cNvSpPr>
@@ -2749,7 +2749,7 @@
       </p:sp>
       <p:sp>
         <p:nvSpPr>
-          <p:cNvPr id="3" name="Picture Placeholder 2"/>
+          <p:cNvPr id="3" name="Picture Placeholder 2" title=""/>
           <p:cNvSpPr>
             <a:spLocks noGrp="1"/>
           </p:cNvSpPr>
@@ -2805,7 +2805,7 @@
       </p:sp>
       <p:sp>
         <p:nvSpPr>
-          <p:cNvPr id="4" name="Text Placeholder 3"/>
+          <p:cNvPr id="4" name="Text Placeholder 3" title=""/>
           <p:cNvSpPr>
             <a:spLocks noGrp="1"/>
           </p:cNvSpPr>
@@ -2864,7 +2864,7 @@
       </p:sp>
       <p:sp>
         <p:nvSpPr>
-          <p:cNvPr id="5" name="Date Placeholder 4"/>
+          <p:cNvPr id="5" name="Date Placeholder 4" title=""/>
           <p:cNvSpPr>
             <a:spLocks noGrp="1"/>
           </p:cNvSpPr>
@@ -2877,7 +2877,7 @@
           <a:bodyPr/>
           <a:lstStyle/>
           <a:p>
-            <a:fld id="{884FD7B9-8EE9-478A-84A9-B0DFF1D87ED3}" type="datetimeFigureOut">
+            <a:fld id="{488691A7-5F44-4C35-A68C-1640E07463CF}" type="datetimeFigureOut">
               <a:rPr lang="en-US" smtClean="0"/>
               <a:t>11/7/2009</a:t>
             </a:fld>
@@ -2887,7 +2887,7 @@
       </p:sp>
       <p:sp>
         <p:nvSpPr>
-          <p:cNvPr id="6" name="Footer Placeholder 5"/>
+          <p:cNvPr id="6" name="Footer Placeholder 5" title=""/>
           <p:cNvSpPr>
             <a:spLocks noGrp="1"/>
           </p:cNvSpPr>
@@ -2906,7 +2906,7 @@
       </p:sp>
       <p:sp>
         <p:nvSpPr>
-          <p:cNvPr id="7" name="Slide Number Placeholder 6"/>
+          <p:cNvPr id="7" name="Slide Number Placeholder 6" title=""/>
           <p:cNvSpPr>
             <a:spLocks noGrp="1"/>
           </p:cNvSpPr>
@@ -2938,7 +2938,7 @@
 </file>
 
 <file path=ppt/slideMasters/slideMaster1.xml><?xml version="1.0" encoding="utf-8"?>
-<p:sldMaster xmlns:a="http://schemas.openxmlformats.org/drawingml/2006/main" xmlns:r="http://schemas.openxmlformats.org/officeDocument/2006/relationships" xmlns:p14="http://schemas.microsoft.com/office/powerpoint/2010/main" xmlns:a14="http://schemas.microsoft.com/office/drawing/2010/main" xmlns:p15="http://schemas.microsoft.com/office/powerpoint/2012/main" xmlns:p159="http://schemas.microsoft.com/office/powerpoint/2015/09/main" xmlns:p="http://schemas.openxmlformats.org/presentationml/2006/main">
+<p:sldMaster xmlns:a="http://schemas.openxmlformats.org/drawingml/2006/main" xmlns:r="http://schemas.openxmlformats.org/officeDocument/2006/relationships" xmlns:m="http://schemas.openxmlformats.org/officeDocument/2006/math" xmlns:w="http://schemas.openxmlformats.org/wordprocessingml/2006/main" xmlns:wp="http://schemas.openxmlformats.org/drawingml/2006/wordprocessingDrawing" xmlns:a14="http://schemas.microsoft.com/office/drawing/2010/main" xmlns:mc="http://schemas.openxmlformats.org/markup-compatibility/2006" xmlns:p14="http://schemas.microsoft.com/office/powerpoint/2010/main" xmlns:p15="http://schemas.microsoft.com/office/powerpoint/2012/main" xmlns:p159="http://schemas.microsoft.com/office/powerpoint/2015/09/main" xmlns:p="http://schemas.openxmlformats.org/presentationml/2006/main">
   <p:cSld>
     <p:bg>
       <p:bgRef idx="1001">
@@ -2947,7 +2947,7 @@
     </p:bg>
     <p:spTree>
       <p:nvGrpSpPr>
-        <p:cNvPr id="1" name=""/>
+        <p:cNvPr id="1" name="" title=""/>
         <p:cNvGrpSpPr/>
         <p:nvPr/>
       </p:nvGrpSpPr>
@@ -2959,7 +2959,7 @@
       </p:grpSpPr>
       <p:sp>
         <p:nvSpPr>
-          <p:cNvPr id="2" name="Title Placeholder 1"/>
+          <p:cNvPr id="2" name="Title Placeholder 1" title=""/>
           <p:cNvSpPr>
             <a:spLocks noGrp="1"/>
           </p:cNvSpPr>
@@ -2992,7 +2992,7 @@
       </p:sp>
       <p:sp>
         <p:nvSpPr>
-          <p:cNvPr id="3" name="Text Placeholder 2"/>
+          <p:cNvPr id="3" name="Text Placeholder 2" title=""/>
           <p:cNvSpPr>
             <a:spLocks noGrp="1"/>
           </p:cNvSpPr>
@@ -3053,7 +3053,7 @@
       </p:sp>
       <p:sp>
         <p:nvSpPr>
-          <p:cNvPr id="4" name="Date Placeholder 3"/>
+          <p:cNvPr id="4" name="Date Placeholder 3" title=""/>
           <p:cNvSpPr>
             <a:spLocks noGrp="1"/>
           </p:cNvSpPr>
@@ -3094,7 +3094,7 @@
       </p:sp>
       <p:sp>
         <p:nvSpPr>
-          <p:cNvPr id="5" name="Footer Placeholder 4"/>
+          <p:cNvPr id="5" name="Footer Placeholder 4" title=""/>
           <p:cNvSpPr>
             <a:spLocks noGrp="1"/>
           </p:cNvSpPr>
@@ -3131,7 +3131,7 @@
       </p:sp>
       <p:sp>
         <p:nvSpPr>
-          <p:cNvPr id="6" name="Slide Number Placeholder 5"/>
+          <p:cNvPr id="6" name="Slide Number Placeholder 5" title=""/>
           <p:cNvSpPr>
             <a:spLocks noGrp="1"/>
           </p:cNvSpPr>
@@ -3442,11 +3442,11 @@
 </file>
 
 <file path=ppt/slides/slide1.xml><?xml version="1.0" encoding="utf-8"?>
-<p:sld xmlns:a="http://schemas.openxmlformats.org/drawingml/2006/main" xmlns:r="http://schemas.openxmlformats.org/officeDocument/2006/relationships" xmlns:p14="http://schemas.microsoft.com/office/powerpoint/2010/main" xmlns:a14="http://schemas.microsoft.com/office/drawing/2010/main" xmlns:p15="http://schemas.microsoft.com/office/powerpoint/2012/main" xmlns:p159="http://schemas.microsoft.com/office/powerpoint/2015/09/main" xmlns:p="http://schemas.openxmlformats.org/presentationml/2006/main">
+<p:sld xmlns:a="http://schemas.openxmlformats.org/drawingml/2006/main" xmlns:r="http://schemas.openxmlformats.org/officeDocument/2006/relationships" xmlns:m="http://schemas.openxmlformats.org/officeDocument/2006/math" xmlns:w="http://schemas.openxmlformats.org/wordprocessingml/2006/main" xmlns:wp="http://schemas.openxmlformats.org/drawingml/2006/wordprocessingDrawing" xmlns:a14="http://schemas.microsoft.com/office/drawing/2010/main" xmlns:mc="http://schemas.openxmlformats.org/markup-compatibility/2006" xmlns:p14="http://schemas.microsoft.com/office/powerpoint/2010/main" xmlns:p15="http://schemas.microsoft.com/office/powerpoint/2012/main" xmlns:p159="http://schemas.microsoft.com/office/powerpoint/2015/09/main" xmlns:p="http://schemas.openxmlformats.org/presentationml/2006/main">
   <p:cSld>
     <p:spTree>
       <p:nvGrpSpPr>
-        <p:cNvPr id="1" name=""/>
+        <p:cNvPr id="1" name="" title=""/>
         <p:cNvGrpSpPr/>
         <p:nvPr/>
       </p:nvGrpSpPr>
@@ -3458,7 +3458,7 @@
       </p:grpSpPr>
       <p:graphicFrame>
         <p:nvGraphicFramePr>
-          <p:cNvPr id="2" name="ChartObject"/>
+          <p:cNvPr id="2" name="ChartObject" title=""/>
           <p:cNvGraphicFramePr/>
           <p:nvPr/>
         </p:nvGraphicFramePr>
@@ -3472,9 +3472,80 @@
           </a:graphicData>
         </a:graphic>
       </p:graphicFrame>
+      <p:sp>
+        <p:nvSpPr>
+          <p:cNvPr id="3" name="TextBox"/>
+          <p:cNvSpPr txBox="1">
+            <a:spLocks noGrp="1" noSelect="1" noRot="1" noMove="1"/>
+          </p:cNvSpPr>
+          <p:nvPr/>
+        </p:nvSpPr>
+        <p:spPr>
+          <a:xfrm>
+            <a:off x="1366520" y="2644140"/>
+            <a:ext cx="6411372" cy="1569660"/>
+          </a:xfrm>
+          <a:prstGeom prst="rect">
+            <a:avLst/>
+          </a:prstGeom>
+          <a:noFill/>
+        </p:spPr>
+        <p:txBody>
+          <a:bodyPr wrap="none" rtlCol="0" anchor="ctr" anchorCtr="1">
+            <a:spAutoFit/>
+          </a:bodyPr>
+          <a:lstStyle>
+            <a:lvl1pPr algn="l">
+              <a:lnSpc>
+                <a:spcPct val="150000"/>
+              </a:lnSpc>
+              <a:spcBef>
+                <a:spcPct val="0"/>
+              </a:spcBef>
+              <a:spcAft>
+                <a:spcPct val="0"/>
+              </a:spcAft>
+              <a:defRPr lang="en-US" sz="3200" b="1" noProof="1">
+                <a:solidFill>
+                  <a:prstClr val="red">
+                    <a:lumOff val="30000"/>
+                    <a:alpha val="40000"/>
+                  </a:prstClr>
+                </a:solidFill>
+                <a:effectLst>
+                  <a:outerShdw blurRad="50800" dist="38100" algn="tr" rotWithShape="0">
+                    <a:prstClr val="black">
+                      <a:alpha val="80000"/>
+                    </a:prstClr>
+                  </a:outerShdw>
+                </a:effectLst>
+                <a:latin typeface="Calibri" pitchFamily="34" charset="0"/>
+              </a:defRPr>
+            </a:lvl1pPr>
+          </a:lstStyle>
+          <a:p>
+            <a:pPr algn="ctr"/>
+            <a:r>
+              <a:t>Evaluation only.</a:t>
+            </a:r>
+          </a:p>
+          <a:p>
+            <a:pPr algn="ctr"/>
+            <a:r>
+              <a:t>Created with Aspose.Slides for .NET 4.0 Client Profile 21.12.</a:t>
+            </a:r>
+          </a:p>
+          <a:p>
+            <a:pPr algn="ctr"/>
+            <a:r>
+              <a:t>Copyright 2004-2021Aspose Pty Ltd.</a:t>
+            </a:r>
+          </a:p>
+        </p:txBody>
+      </p:sp>
       <p:graphicFrame>
         <p:nvGraphicFramePr>
-          <p:cNvPr id="3" name="ChartObject"/>
+          <p:cNvPr id="4" name="ChartObject" title=""/>
           <p:cNvGraphicFramePr/>
           <p:nvPr/>
         </p:nvGraphicFramePr>
@@ -3488,6 +3559,77 @@
           </a:graphicData>
         </a:graphic>
       </p:graphicFrame>
+      <p:sp>
+        <p:nvSpPr>
+          <p:cNvPr id="5" name="TextBox"/>
+          <p:cNvSpPr txBox="1">
+            <a:spLocks noGrp="1" noSelect="1" noRot="1" noMove="1"/>
+          </p:cNvSpPr>
+          <p:nvPr/>
+        </p:nvSpPr>
+        <p:spPr>
+          <a:xfrm>
+            <a:off x="1366520" y="2644140"/>
+            <a:ext cx="6411372" cy="1569660"/>
+          </a:xfrm>
+          <a:prstGeom prst="rect">
+            <a:avLst/>
+          </a:prstGeom>
+          <a:noFill/>
+        </p:spPr>
+        <p:txBody>
+          <a:bodyPr wrap="none" rtlCol="0" anchor="ctr" anchorCtr="1">
+            <a:spAutoFit/>
+          </a:bodyPr>
+          <a:lstStyle>
+            <a:lvl1pPr algn="l">
+              <a:lnSpc>
+                <a:spcPct val="150000"/>
+              </a:lnSpc>
+              <a:spcBef>
+                <a:spcPct val="0"/>
+              </a:spcBef>
+              <a:spcAft>
+                <a:spcPct val="0"/>
+              </a:spcAft>
+              <a:defRPr lang="en-US" sz="3200" b="1" noProof="1" dirty="0">
+                <a:solidFill>
+                  <a:prstClr val="red">
+                    <a:lumOff val="30000"/>
+                    <a:alpha val="40000"/>
+                  </a:prstClr>
+                </a:solidFill>
+                <a:effectLst>
+                  <a:outerShdw blurRad="50800" dist="38100" algn="tr" rotWithShape="0">
+                    <a:prstClr val="black">
+                      <a:alpha val="80000"/>
+                    </a:prstClr>
+                  </a:outerShdw>
+                </a:effectLst>
+                <a:latin typeface="Calibri" pitchFamily="34" charset="0"/>
+              </a:defRPr>
+            </a:lvl1pPr>
+          </a:lstStyle>
+          <a:p>
+            <a:pPr algn="ctr"/>
+            <a:r>
+              <a:t>Evaluation only.</a:t>
+            </a:r>
+          </a:p>
+          <a:p>
+            <a:pPr algn="ctr"/>
+            <a:r>
+              <a:t>Created with Aspose.Slides for .NET 4.0 Client Profile 21.12.</a:t>
+            </a:r>
+          </a:p>
+          <a:p>
+            <a:pPr algn="ctr"/>
+            <a:r>
+              <a:t>Copyright 2004-2021Aspose Pty Ltd.</a:t>
+            </a:r>
+          </a:p>
+        </p:txBody>
+      </p:sp>
     </p:spTree>
   </p:cSld>
   <p:clrMapOvr>
@@ -3501,10 +3643,10 @@
 <file path=ppt/tags/tag1.xml><?xml version="1.0" encoding="utf-8"?>
 <p:tagLst xmlns:p="http://schemas.openxmlformats.org/presentationml/2006/main">
   <p:tag name="AS_NET" val="4.0.30319.42000"/>
-  <p:tag name="AS_OS" val="Microsoft Windows NT 6.2.9200.0"/>
-  <p:tag name="AS_RELEASE_DATE" val="2019.06.14"/>
+  <p:tag name="AS_OS" val="Microsoft Windows NT 6.3.9600.0"/>
+  <p:tag name="AS_RELEASE_DATE" val="2021.12.14"/>
   <p:tag name="AS_TITLE" val="Aspose.Slides for .NET 4.0 Client Profile"/>
-  <p:tag name="AS_VERSION" val="19.6"/>
+  <p:tag name="AS_VERSION" val="21.12"/>
 </p:tagLst>
 </file>
 
